--- a/AttentionModels101-DSNashville.pptx
+++ b/AttentionModels101-DSNashville.pptx
@@ -278,7 +278,7 @@
           <a:p>
             <a:fld id="{44BB5CBF-3284-4E65-85EC-62926DF77984}" type="datetimeFigureOut">
               <a:rPr lang="en-US" smtClean="0"/>
-              <a:t>4/3/2018</a:t>
+              <a:t>4/4/2018</a:t>
             </a:fld>
             <a:endParaRPr lang="en-US"/>
           </a:p>
@@ -476,7 +476,7 @@
           <a:p>
             <a:fld id="{44BB5CBF-3284-4E65-85EC-62926DF77984}" type="datetimeFigureOut">
               <a:rPr lang="en-US" smtClean="0"/>
-              <a:t>4/3/2018</a:t>
+              <a:t>4/4/2018</a:t>
             </a:fld>
             <a:endParaRPr lang="en-US"/>
           </a:p>
@@ -684,7 +684,7 @@
           <a:p>
             <a:fld id="{44BB5CBF-3284-4E65-85EC-62926DF77984}" type="datetimeFigureOut">
               <a:rPr lang="en-US" smtClean="0"/>
-              <a:t>4/3/2018</a:t>
+              <a:t>4/4/2018</a:t>
             </a:fld>
             <a:endParaRPr lang="en-US"/>
           </a:p>
@@ -882,7 +882,7 @@
           <a:p>
             <a:fld id="{44BB5CBF-3284-4E65-85EC-62926DF77984}" type="datetimeFigureOut">
               <a:rPr lang="en-US" smtClean="0"/>
-              <a:t>4/3/2018</a:t>
+              <a:t>4/4/2018</a:t>
             </a:fld>
             <a:endParaRPr lang="en-US"/>
           </a:p>
@@ -1157,7 +1157,7 @@
           <a:p>
             <a:fld id="{44BB5CBF-3284-4E65-85EC-62926DF77984}" type="datetimeFigureOut">
               <a:rPr lang="en-US" smtClean="0"/>
-              <a:t>4/3/2018</a:t>
+              <a:t>4/4/2018</a:t>
             </a:fld>
             <a:endParaRPr lang="en-US"/>
           </a:p>
@@ -1422,7 +1422,7 @@
           <a:p>
             <a:fld id="{44BB5CBF-3284-4E65-85EC-62926DF77984}" type="datetimeFigureOut">
               <a:rPr lang="en-US" smtClean="0"/>
-              <a:t>4/3/2018</a:t>
+              <a:t>4/4/2018</a:t>
             </a:fld>
             <a:endParaRPr lang="en-US"/>
           </a:p>
@@ -1834,7 +1834,7 @@
           <a:p>
             <a:fld id="{44BB5CBF-3284-4E65-85EC-62926DF77984}" type="datetimeFigureOut">
               <a:rPr lang="en-US" smtClean="0"/>
-              <a:t>4/3/2018</a:t>
+              <a:t>4/4/2018</a:t>
             </a:fld>
             <a:endParaRPr lang="en-US"/>
           </a:p>
@@ -1975,7 +1975,7 @@
           <a:p>
             <a:fld id="{44BB5CBF-3284-4E65-85EC-62926DF77984}" type="datetimeFigureOut">
               <a:rPr lang="en-US" smtClean="0"/>
-              <a:t>4/3/2018</a:t>
+              <a:t>4/4/2018</a:t>
             </a:fld>
             <a:endParaRPr lang="en-US"/>
           </a:p>
@@ -2088,7 +2088,7 @@
           <a:p>
             <a:fld id="{44BB5CBF-3284-4E65-85EC-62926DF77984}" type="datetimeFigureOut">
               <a:rPr lang="en-US" smtClean="0"/>
-              <a:t>4/3/2018</a:t>
+              <a:t>4/4/2018</a:t>
             </a:fld>
             <a:endParaRPr lang="en-US"/>
           </a:p>
@@ -2399,7 +2399,7 @@
           <a:p>
             <a:fld id="{44BB5CBF-3284-4E65-85EC-62926DF77984}" type="datetimeFigureOut">
               <a:rPr lang="en-US" smtClean="0"/>
-              <a:t>4/3/2018</a:t>
+              <a:t>4/4/2018</a:t>
             </a:fld>
             <a:endParaRPr lang="en-US"/>
           </a:p>
@@ -2687,7 +2687,7 @@
           <a:p>
             <a:fld id="{44BB5CBF-3284-4E65-85EC-62926DF77984}" type="datetimeFigureOut">
               <a:rPr lang="en-US" smtClean="0"/>
-              <a:t>4/3/2018</a:t>
+              <a:t>4/4/2018</a:t>
             </a:fld>
             <a:endParaRPr lang="en-US"/>
           </a:p>
@@ -2928,7 +2928,7 @@
           <a:p>
             <a:fld id="{44BB5CBF-3284-4E65-85EC-62926DF77984}" type="datetimeFigureOut">
               <a:rPr lang="en-US" smtClean="0"/>
-              <a:t>4/3/2018</a:t>
+              <a:t>4/4/2018</a:t>
             </a:fld>
             <a:endParaRPr lang="en-US"/>
           </a:p>
@@ -3614,7 +3614,7 @@
             </a:pPr>
             <a:r>
               <a:rPr lang="en-US" dirty="0"/>
-              <a:t>The context events are then combined based on the weights to form the new hidden layer value.</a:t>
+              <a:t>The context events are then combined based on the weights, to form the new hidden layer value.</a:t>
             </a:r>
           </a:p>
         </p:txBody>
@@ -3998,7 +3998,7 @@
             </a:pPr>
             <a:r>
               <a:rPr lang="en-US" dirty="0"/>
-              <a:t>Some events are irrelevant</a:t>
+              <a:t>Irrelevant events</a:t>
             </a:r>
           </a:p>
           <a:p>
@@ -4018,28 +4018,17 @@
             </a:pPr>
             <a:r>
               <a:rPr lang="en-US" dirty="0"/>
-              <a:t>Training challenges:</a:t>
-            </a:r>
-          </a:p>
-          <a:p>
-            <a:pPr marL="742950" lvl="1" indent="-285750">
-              <a:buFont typeface="Arial" panose="020B0604020202020204" pitchFamily="34" charset="0"/>
-              <a:buChar char="•"/>
-            </a:pPr>
-            <a:r>
-              <a:rPr lang="en-US" dirty="0"/>
-              <a:t>The relevant events must be easily distinguishable without reference to other events.</a:t>
-            </a:r>
-          </a:p>
-          <a:p>
-            <a:pPr marL="742950" lvl="1" indent="-285750">
-              <a:buFont typeface="Arial" panose="020B0604020202020204" pitchFamily="34" charset="0"/>
-              <a:buChar char="•"/>
-            </a:pPr>
-            <a:r>
-              <a:rPr lang="en-US" dirty="0"/>
-              <a:t>Tuning is needed to force attention distribution toward sparsity.</a:t>
-            </a:r>
+              <a:t>See Raffel and Ellis 2015; </a:t>
+            </a:r>
+            <a:r>
+              <a:rPr lang="en-US" dirty="0">
+                <a:solidFill>
+                  <a:prstClr val="black"/>
+                </a:solidFill>
+              </a:rPr>
+              <a:t>Yang et al 2016; and Lin et al 2017</a:t>
+            </a:r>
+            <a:endParaRPr lang="en-US" dirty="0"/>
           </a:p>
           <a:p>
             <a:pPr marL="285750" indent="-285750">
@@ -4048,33 +4037,7 @@
             </a:pPr>
             <a:r>
               <a:rPr lang="en-US" dirty="0"/>
-              <a:t>See </a:t>
-            </a:r>
-            <a:r>
-              <a:rPr lang="en-US" dirty="0" err="1"/>
-              <a:t>Raffel</a:t>
-            </a:r>
-            <a:r>
-              <a:rPr lang="en-US" dirty="0"/>
-              <a:t> and Ellis 2015</a:t>
-            </a:r>
-          </a:p>
-          <a:p>
-            <a:pPr marL="285750" indent="-285750">
-              <a:buFont typeface="Arial" panose="020B0604020202020204" pitchFamily="34" charset="0"/>
-              <a:buChar char="•"/>
-            </a:pPr>
-            <a:r>
-              <a:rPr lang="en-US" dirty="0"/>
-              <a:t>Diagram from </a:t>
-            </a:r>
-            <a:r>
-              <a:rPr lang="en-US" dirty="0" err="1"/>
-              <a:t>Raffel</a:t>
-            </a:r>
-            <a:r>
-              <a:rPr lang="en-US" dirty="0"/>
-              <a:t> and Ellis 2015</a:t>
+              <a:t>Diagram from Raffel and Ellis 2015.</a:t>
             </a:r>
           </a:p>
         </p:txBody>
@@ -4186,7 +4149,7 @@
         <p:spPr/>
         <p:txBody>
           <a:bodyPr>
-            <a:normAutofit lnSpcReduction="10000"/>
+            <a:normAutofit/>
           </a:bodyPr>
           <a:lstStyle/>
           <a:p>
@@ -4214,6 +4177,20 @@
                   <a:prstClr val="black"/>
                 </a:solidFill>
               </a:rPr>
+              <a:t>The events are then represented by the score weighted combination of the other events.</a:t>
+            </a:r>
+          </a:p>
+          <a:p>
+            <a:pPr marL="285750" lvl="0" indent="-285750">
+              <a:buFont typeface="Arial" panose="020B0604020202020204" pitchFamily="34" charset="0"/>
+              <a:buChar char="•"/>
+            </a:pPr>
+            <a:r>
+              <a:rPr lang="en-US" dirty="0">
+                <a:solidFill>
+                  <a:prstClr val="black"/>
+                </a:solidFill>
+              </a:rPr>
               <a:t>Useful for sequence classification with:</a:t>
             </a:r>
           </a:p>
@@ -4246,7 +4223,7 @@
             </a:r>
           </a:p>
           <a:p>
-            <a:pPr marL="285750" lvl="0" indent="-285750">
+            <a:pPr marL="285750" indent="-285750">
               <a:buFont typeface="Arial" panose="020B0604020202020204" pitchFamily="34" charset="0"/>
               <a:buChar char="•"/>
             </a:pPr>
@@ -4256,65 +4233,7 @@
                   <a:prstClr val="black"/>
                 </a:solidFill>
               </a:rPr>
-              <a:t>Training challenges:</a:t>
-            </a:r>
-          </a:p>
-          <a:p>
-            <a:pPr marL="742950" lvl="1" indent="-285750">
-              <a:buFont typeface="Arial" panose="020B0604020202020204" pitchFamily="34" charset="0"/>
-              <a:buChar char="•"/>
-            </a:pPr>
-            <a:r>
-              <a:rPr lang="en-US" dirty="0">
-                <a:solidFill>
-                  <a:prstClr val="black"/>
-                </a:solidFill>
-              </a:rPr>
-              <a:t>Relationships between events must be clearly captured in representations.</a:t>
-            </a:r>
-          </a:p>
-          <a:p>
-            <a:pPr marL="742950" lvl="1" indent="-285750">
-              <a:buFont typeface="Arial" panose="020B0604020202020204" pitchFamily="34" charset="0"/>
-              <a:buChar char="•"/>
-            </a:pPr>
-            <a:r>
-              <a:rPr lang="en-US" dirty="0">
-                <a:solidFill>
-                  <a:prstClr val="black"/>
-                </a:solidFill>
-              </a:rPr>
-              <a:t>Tuning is needed to capture relationship graph.</a:t>
-            </a:r>
-          </a:p>
-          <a:p>
-            <a:pPr marL="285750" indent="-285750">
-              <a:buFont typeface="Arial" panose="020B0604020202020204" pitchFamily="34" charset="0"/>
-              <a:buChar char="•"/>
-            </a:pPr>
-            <a:r>
-              <a:rPr lang="en-US" dirty="0">
-                <a:solidFill>
-                  <a:prstClr val="black"/>
-                </a:solidFill>
-              </a:rPr>
-              <a:t>See </a:t>
-            </a:r>
-            <a:r>
-              <a:rPr lang="en-US" dirty="0" err="1">
-                <a:solidFill>
-                  <a:prstClr val="black"/>
-                </a:solidFill>
-              </a:rPr>
-              <a:t>Dozat</a:t>
-            </a:r>
-            <a:r>
-              <a:rPr lang="en-US" dirty="0">
-                <a:solidFill>
-                  <a:prstClr val="black"/>
-                </a:solidFill>
-              </a:rPr>
-              <a:t> and Manning 2016; Kadlec et al 2016; Yang et al 2016; Lin et al 2017; and Liu and Zapata 2017</a:t>
+              <a:t>See Dozat and Manning 2016; Kadlec et al 2016; and Liu and Zapata 2017</a:t>
             </a:r>
           </a:p>
           <a:p>
@@ -4473,23 +4392,7 @@
           <a:p>
             <a:r>
               <a:rPr lang="en-US" dirty="0"/>
-              <a:t>This task is described in </a:t>
-            </a:r>
-            <a:r>
-              <a:rPr lang="en-US" dirty="0" err="1"/>
-              <a:t>Hochreiter</a:t>
-            </a:r>
-            <a:r>
-              <a:rPr lang="en-US" dirty="0"/>
-              <a:t> and </a:t>
-            </a:r>
-            <a:r>
-              <a:rPr lang="en-US" dirty="0" err="1"/>
-              <a:t>Schmidhuber</a:t>
-            </a:r>
-            <a:r>
-              <a:rPr lang="en-US" dirty="0"/>
-              <a:t> 1997.</a:t>
+              <a:t>This task is described in Hochreiter and Schmidhuber 1997.</a:t>
             </a:r>
           </a:p>
           <a:p>
@@ -4603,15 +4506,7 @@
           <a:p>
             <a:r>
               <a:rPr lang="en-US" dirty="0"/>
-              <a:t>See Colin and </a:t>
-            </a:r>
-            <a:r>
-              <a:rPr lang="en-US" dirty="0" err="1"/>
-              <a:t>Raffel</a:t>
-            </a:r>
-            <a:r>
-              <a:rPr lang="en-US" dirty="0"/>
-              <a:t> 2015</a:t>
+              <a:t>See Colin and Raffel 2015</a:t>
             </a:r>
           </a:p>
         </p:txBody>
@@ -4786,10 +4681,9 @@
           <a:lstStyle/>
           <a:p>
             <a:r>
-              <a:rPr lang="en-US"/>
+              <a:rPr lang="en-US" dirty="0"/>
               <a:t>Bibliography</a:t>
             </a:r>
-            <a:endParaRPr lang="en-US" dirty="0"/>
           </a:p>
         </p:txBody>
       </p:sp>
@@ -4812,139 +4706,49 @@
         <p:spPr/>
         <p:txBody>
           <a:bodyPr>
-            <a:normAutofit fontScale="70000" lnSpcReduction="20000"/>
+            <a:normAutofit fontScale="55000" lnSpcReduction="20000"/>
           </a:bodyPr>
           <a:lstStyle/>
           <a:p>
             <a:r>
-              <a:rPr lang="en-US" dirty="0" err="1"/>
-              <a:t>Dozat</a:t>
-            </a:r>
-            <a:r>
-              <a:rPr lang="en-US" dirty="0"/>
-              <a:t>, T., &amp; Manning, C. D. (2016). Deep biaffine attention for neural dependency parsing. </a:t>
-            </a:r>
-            <a:r>
-              <a:rPr lang="en-US" dirty="0" err="1"/>
-              <a:t>arXiv</a:t>
-            </a:r>
-            <a:r>
-              <a:rPr lang="en-US" dirty="0"/>
-              <a:t> preprint arXiv:1611.01734.</a:t>
-            </a:r>
-          </a:p>
-          <a:p>
-            <a:r>
-              <a:rPr lang="en-US" dirty="0"/>
-              <a:t>Kadlec, R., Schmid, M., </a:t>
-            </a:r>
-            <a:r>
-              <a:rPr lang="en-US" dirty="0" err="1"/>
-              <a:t>Bajgar</a:t>
-            </a:r>
-            <a:r>
-              <a:rPr lang="en-US" dirty="0"/>
-              <a:t>, O., &amp; Kleindienst, J. (2016). Text understanding with the attention sum reader network. </a:t>
-            </a:r>
-            <a:r>
-              <a:rPr lang="en-US" dirty="0" err="1"/>
-              <a:t>arXiv</a:t>
-            </a:r>
-            <a:r>
-              <a:rPr lang="en-US" dirty="0"/>
-              <a:t> preprint arXiv:1603.01547.</a:t>
-            </a:r>
-          </a:p>
-          <a:p>
-            <a:r>
-              <a:rPr lang="en-US" dirty="0"/>
-              <a:t>Lin, Z., Feng, M., Santos, C. N. D., Yu, M., Xiang, B., Zhou, B., &amp; </a:t>
-            </a:r>
-            <a:r>
-              <a:rPr lang="en-US" dirty="0" err="1"/>
-              <a:t>Bengio</a:t>
-            </a:r>
-            <a:r>
-              <a:rPr lang="en-US" dirty="0"/>
-              <a:t>, Y. (2017). A structured self-attentive sentence embedding. </a:t>
-            </a:r>
-            <a:r>
-              <a:rPr lang="en-US" dirty="0" err="1"/>
-              <a:t>arXiv</a:t>
-            </a:r>
-            <a:r>
-              <a:rPr lang="en-US" dirty="0"/>
-              <a:t> preprint arXiv:1703.03130.</a:t>
-            </a:r>
-          </a:p>
-          <a:p>
-            <a:r>
-              <a:rPr lang="en-US" dirty="0"/>
-              <a:t>Luong, M. T., Pham, H., &amp; Manning, C. D. (2015). Effective approaches to attention-based neural machine translation. </a:t>
-            </a:r>
-            <a:r>
-              <a:rPr lang="en-US" dirty="0" err="1"/>
-              <a:t>arXiv</a:t>
-            </a:r>
-            <a:r>
-              <a:rPr lang="en-US" dirty="0"/>
-              <a:t> preprint arXiv:1508.04025.</a:t>
-            </a:r>
-          </a:p>
-          <a:p>
-            <a:r>
-              <a:rPr lang="en-US" dirty="0" err="1"/>
-              <a:t>Raffel</a:t>
-            </a:r>
-            <a:r>
-              <a:rPr lang="en-US" dirty="0"/>
-              <a:t>, C., &amp; Ellis, D. P. (2015). Feed-forward networks with attention can solve some long-term memory problems. </a:t>
-            </a:r>
-            <a:r>
-              <a:rPr lang="en-US" dirty="0" err="1"/>
-              <a:t>arXiv</a:t>
-            </a:r>
-            <a:r>
-              <a:rPr lang="en-US" dirty="0"/>
-              <a:t> preprint arXiv:1512.08756.</a:t>
-            </a:r>
-          </a:p>
-          <a:p>
-            <a:r>
-              <a:rPr lang="en-US" dirty="0"/>
-              <a:t>Xu, K., Ba, J., </a:t>
-            </a:r>
-            <a:r>
-              <a:rPr lang="en-US" dirty="0" err="1"/>
-              <a:t>Kiros</a:t>
-            </a:r>
-            <a:r>
-              <a:rPr lang="en-US" dirty="0"/>
-              <a:t>, R., Cho, K., </a:t>
-            </a:r>
-            <a:r>
-              <a:rPr lang="en-US" dirty="0" err="1"/>
-              <a:t>Courville</a:t>
-            </a:r>
-            <a:r>
-              <a:rPr lang="en-US" dirty="0"/>
-              <a:t>, A., </a:t>
-            </a:r>
-            <a:r>
-              <a:rPr lang="en-US" dirty="0" err="1"/>
-              <a:t>Salakhudinov</a:t>
-            </a:r>
-            <a:r>
-              <a:rPr lang="en-US" dirty="0"/>
-              <a:t>, R., ... &amp; </a:t>
-            </a:r>
-            <a:r>
-              <a:rPr lang="en-US" dirty="0" err="1"/>
-              <a:t>Bengio</a:t>
-            </a:r>
-            <a:r>
-              <a:rPr lang="en-US" dirty="0"/>
-              <a:t>, Y. (2015, June). Show, attend and tell: Neural image caption generation with visual attention. In </a:t>
+              <a:rPr lang="en-US" dirty="0"/>
+              <a:t>Bahdanau, D., Cho, K., &amp; Bengio, Y. (2014). Neural machine translation by jointly learning to align and translate. arXiv preprint arXiv:1409.0473.</a:t>
+            </a:r>
+          </a:p>
+          <a:p>
+            <a:r>
+              <a:rPr lang="en-US" dirty="0"/>
+              <a:t>Dozat, T., &amp; Manning, C. D. (2016). Deep biaffine attention for neural dependency parsing. arXiv preprint arXiv:1611.01734.</a:t>
+            </a:r>
+          </a:p>
+          <a:p>
+            <a:r>
+              <a:rPr lang="en-US" dirty="0"/>
+              <a:t>Kadlec, R., Schmid, M., Bajgar, O., &amp; Kleindienst, J. (2016). Text understanding with the attention sum reader network. arXiv preprint arXiv:1603.01547.</a:t>
+            </a:r>
+          </a:p>
+          <a:p>
+            <a:r>
+              <a:rPr lang="en-US" dirty="0"/>
+              <a:t>Lin, Z., Feng, M., Santos, C. N. D., Yu, M., Xiang, B., Zhou, B., &amp; Bengio, Y. (2017). A structured self-attentive sentence embedding. arXiv preprint arXiv:1703.03130.</a:t>
+            </a:r>
+          </a:p>
+          <a:p>
+            <a:r>
+              <a:rPr lang="en-US" dirty="0"/>
+              <a:t>Luong, M. T., Pham, H., &amp; Manning, C. D. (2015). Effective approaches to attention-based neural machine translation. arXiv preprint arXiv:1508.04025.</a:t>
+            </a:r>
+          </a:p>
+          <a:p>
+            <a:r>
+              <a:rPr lang="en-US" dirty="0"/>
+              <a:t>Raffel, C., &amp; Ellis, D. P. (2015). Feed-forward networks with attention can solve some long-term memory problems. arXiv preprint arXiv:1512.08756.</a:t>
+            </a:r>
+          </a:p>
+          <a:p>
+            <a:r>
+              <a:rPr lang="en-US" dirty="0"/>
+              <a:t>Xu, K., Ba, J., Kiros, R., Cho, K., Courville, A., Salakhudinov, R., ... &amp; Bengio, Y. (2015, June). Show, attend and tell: Neural image caption generation with visual attention. In </a:t>
             </a:r>
             <a:r>
               <a:rPr lang="en-US" i="1" dirty="0"/>
@@ -4958,23 +4762,7 @@
           <a:p>
             <a:r>
               <a:rPr lang="en-US" dirty="0"/>
-              <a:t>Yang, Z., Yang, D., Dyer, C., He, X., </a:t>
-            </a:r>
-            <a:r>
-              <a:rPr lang="en-US" dirty="0" err="1"/>
-              <a:t>Smola</a:t>
-            </a:r>
-            <a:r>
-              <a:rPr lang="en-US" dirty="0"/>
-              <a:t>, A., &amp; </a:t>
-            </a:r>
-            <a:r>
-              <a:rPr lang="en-US" dirty="0" err="1"/>
-              <a:t>Hovy</a:t>
-            </a:r>
-            <a:r>
-              <a:rPr lang="en-US" dirty="0"/>
-              <a:t>, E. (2016). Hierarchical attention networks for document classification. In </a:t>
+              <a:t>Yang, Z., Yang, D., Dyer, C., He, X., Smola, A., &amp; Hovy, E. (2016). Hierarchical attention networks for document classification. In </a:t>
             </a:r>
             <a:r>
               <a:rPr lang="en-US" i="1" dirty="0"/>
@@ -5063,67 +4851,70 @@
         </p:nvSpPr>
         <p:spPr/>
         <p:txBody>
-          <a:bodyPr/>
-          <a:lstStyle/>
-          <a:p>
-            <a:r>
-              <a:rPr lang="en-US" dirty="0"/>
-              <a:t>Colin </a:t>
-            </a:r>
-            <a:r>
-              <a:rPr lang="en-US" dirty="0" err="1"/>
-              <a:t>Raffel</a:t>
-            </a:r>
-            <a:r>
-              <a:rPr lang="en-US" dirty="0"/>
-              <a:t> – Doing Strange Things with Attention </a:t>
+          <a:bodyPr>
+            <a:normAutofit/>
+          </a:bodyPr>
+          <a:lstStyle/>
+          <a:p>
+            <a:r>
+              <a:rPr lang="en-US" dirty="0"/>
+              <a:t>Examples and slide from this presentation – </a:t>
             </a:r>
             <a:r>
               <a:rPr lang="en-US" dirty="0">
                 <a:hlinkClick r:id="rId2"/>
               </a:rPr>
-              <a:t>https://youtu.be/YtHjmm9Cx3s</a:t>
+              <a:t>https://github.com/clinzy/AttentionModels101</a:t>
             </a:r>
             <a:endParaRPr lang="en-US" dirty="0"/>
           </a:p>
           <a:p>
             <a:r>
               <a:rPr lang="en-US" dirty="0"/>
-              <a:t>Translation with a Sequence to Sequence Network and Attention - </a:t>
+              <a:t>Colin Raffel – Doing Strange Things with Attention </a:t>
             </a:r>
             <a:r>
               <a:rPr lang="en-US" dirty="0">
                 <a:hlinkClick r:id="rId3"/>
               </a:rPr>
-              <a:t>http://pytorch.org/tutorials/intermediate/seq2seq_translation_tutorial.html</a:t>
+              <a:t>https://youtu.be/YtHjmm9Cx3s</a:t>
             </a:r>
             <a:endParaRPr lang="en-US" dirty="0"/>
           </a:p>
           <a:p>
             <a:r>
               <a:rPr lang="en-US" dirty="0"/>
-              <a:t>Attention-OCR - </a:t>
+              <a:t>Translation with a Sequence to Sequence Network and Attention - </a:t>
             </a:r>
             <a:r>
               <a:rPr lang="en-US" dirty="0">
                 <a:hlinkClick r:id="rId4"/>
               </a:rPr>
-              <a:t>https://github.com/da03/Attention-OCR</a:t>
+              <a:t>http://pytorch.org/tutorials/intermediate/seq2seq_translation_tutorial.html</a:t>
             </a:r>
             <a:endParaRPr lang="en-US" dirty="0"/>
           </a:p>
           <a:p>
             <a:r>
-              <a:rPr lang="en-US" dirty="0" err="1"/>
-              <a:t>pytorch</a:t>
-            </a:r>
-            <a:r>
-              <a:rPr lang="en-US" dirty="0"/>
-              <a:t>-attention - </a:t>
+              <a:rPr lang="en-US" dirty="0"/>
+              <a:t>Attention-OCR - </a:t>
             </a:r>
             <a:r>
               <a:rPr lang="en-US" dirty="0">
                 <a:hlinkClick r:id="rId5"/>
+              </a:rPr>
+              <a:t>https://github.com/da03/Attention-OCR</a:t>
+            </a:r>
+            <a:endParaRPr lang="en-US" dirty="0"/>
+          </a:p>
+          <a:p>
+            <a:r>
+              <a:rPr lang="en-US" dirty="0"/>
+              <a:t>pytorch-attention - </a:t>
+            </a:r>
+            <a:r>
+              <a:rPr lang="en-US" dirty="0">
+                <a:hlinkClick r:id="rId6"/>
               </a:rPr>
               <a:t>https://github.com/thomlake/pytorch-attention</a:t>
             </a:r>
@@ -5218,7 +5009,7 @@
           <a:p>
             <a:r>
               <a:rPr lang="en-US" dirty="0"/>
-              <a:t>Communication Systems Engineer turned Data Scientist</a:t>
+              <a:t>Communication systems engineer turned data scientist</a:t>
             </a:r>
           </a:p>
           <a:p>
@@ -5506,28 +5297,52 @@
           <a:p>
             <a:r>
               <a:rPr lang="en-US" dirty="0"/>
-              <a:t>The compression of a value sequence based on the scoring of a context sequence with respect to a query event.</a:t>
-            </a:r>
-          </a:p>
-          <a:p>
+              <a:t>The compression of a value sequence, </a:t>
+            </a:r>
+          </a:p>
+          <a:p>
+            <a:pPr lvl="1"/>
+            <a:r>
+              <a:rPr lang="en-US" dirty="0"/>
+              <a:t>Based on the scoring of a context sequence,</a:t>
+            </a:r>
+          </a:p>
+          <a:p>
+            <a:pPr lvl="1"/>
+            <a:r>
+              <a:rPr lang="en-US" dirty="0"/>
+              <a:t>With respect to a query event.</a:t>
+            </a:r>
+          </a:p>
+          <a:p>
+            <a:r>
+              <a:rPr lang="en-US" dirty="0"/>
+              <a:t>Note:</a:t>
+            </a:r>
+          </a:p>
+          <a:p>
+            <a:pPr lvl="1"/>
             <a:r>
               <a:rPr lang="en-US" dirty="0"/>
               <a:t>The scores are a sequence and are usually normalized.</a:t>
             </a:r>
           </a:p>
           <a:p>
+            <a:pPr lvl="1"/>
             <a:r>
               <a:rPr lang="en-US" dirty="0"/>
               <a:t>The query event can come from a separate sequence.</a:t>
             </a:r>
           </a:p>
           <a:p>
+            <a:pPr lvl="1"/>
             <a:r>
               <a:rPr lang="en-US" dirty="0"/>
               <a:t>The query can also be implicit.</a:t>
             </a:r>
           </a:p>
           <a:p>
+            <a:pPr lvl="1"/>
             <a:r>
               <a:rPr lang="en-US" dirty="0"/>
               <a:t>The context and value sequences can be the same.</a:t>
@@ -5597,7 +5412,7 @@
           <a:p>
             <a:r>
               <a:rPr lang="en-US" dirty="0"/>
-              <a:t>Scoring Function</a:t>
+              <a:t>Scoring Functions</a:t>
             </a:r>
           </a:p>
         </p:txBody>
@@ -5677,7 +5492,7 @@
         <p:spPr>
           <a:xfrm>
             <a:off x="1511809" y="5719087"/>
-            <a:ext cx="2180790" cy="369332"/>
+            <a:ext cx="2332562" cy="369332"/>
           </a:xfrm>
           <a:prstGeom prst="rect">
             <a:avLst/>
@@ -5691,7 +5506,7 @@
           <a:p>
             <a:r>
               <a:rPr lang="en-US" dirty="0"/>
-              <a:t>See Luong et al 2015 </a:t>
+              <a:t>From Luong et al 2015 </a:t>
             </a:r>
           </a:p>
         </p:txBody>
@@ -5777,13 +5592,13 @@
           <a:p>
             <a:r>
               <a:rPr lang="en-US" dirty="0"/>
-              <a:t>RNNs are used to generate variable length sequences from a large and or variable sized input.</a:t>
-            </a:r>
-          </a:p>
-          <a:p>
-            <a:r>
-              <a:rPr lang="en-US" dirty="0"/>
-              <a:t>Attention can be useful in the following cases:</a:t>
+              <a:t>RNNs are commonly used to generate variable length sequences from large or variable sized inputs.</a:t>
+            </a:r>
+          </a:p>
+          <a:p>
+            <a:r>
+              <a:rPr lang="en-US" dirty="0"/>
+              <a:t>Attention can be a useful addition in the following cases:</a:t>
             </a:r>
           </a:p>
           <a:p>
@@ -5804,7 +5619,7 @@
             <a:pPr lvl="1"/>
             <a:r>
               <a:rPr lang="en-US" dirty="0"/>
-              <a:t>A mapping between input and output for model interpretation is needed.</a:t>
+              <a:t>A mapping between input and output is needed for model interpretation .</a:t>
             </a:r>
           </a:p>
           <a:p>
@@ -5888,7 +5703,9 @@
         </p:nvSpPr>
         <p:spPr/>
         <p:txBody>
-          <a:bodyPr/>
+          <a:bodyPr>
+            <a:normAutofit fontScale="92500" lnSpcReduction="20000"/>
+          </a:bodyPr>
           <a:lstStyle/>
           <a:p>
             <a:pPr marL="285750" indent="-285750">
@@ -5897,6 +5714,26 @@
             </a:pPr>
             <a:r>
               <a:rPr lang="en-US" dirty="0"/>
+              <a:t>The previous output or hidden state is used as the query.</a:t>
+            </a:r>
+          </a:p>
+          <a:p>
+            <a:pPr marL="285750" indent="-285750">
+              <a:buFont typeface="Arial" panose="020B0604020202020204" pitchFamily="34" charset="0"/>
+              <a:buChar char="•"/>
+            </a:pPr>
+            <a:r>
+              <a:rPr lang="en-US" dirty="0"/>
+              <a:t>Encoder outputs or hidden states form the context.</a:t>
+            </a:r>
+          </a:p>
+          <a:p>
+            <a:pPr marL="285750" indent="-285750">
+              <a:buFont typeface="Arial" panose="020B0604020202020204" pitchFamily="34" charset="0"/>
+              <a:buChar char="•"/>
+            </a:pPr>
+            <a:r>
+              <a:rPr lang="en-US" dirty="0"/>
               <a:t>Global version:</a:t>
             </a:r>
           </a:p>
@@ -5907,7 +5744,7 @@
             </a:pPr>
             <a:r>
               <a:rPr lang="en-US" dirty="0"/>
-              <a:t>All inputs considered</a:t>
+              <a:t>The entire context considered</a:t>
             </a:r>
           </a:p>
           <a:p>
@@ -5947,7 +5784,7 @@
             </a:pPr>
             <a:r>
               <a:rPr lang="en-US" dirty="0"/>
-              <a:t>A window of inputs is considered</a:t>
+              <a:t>Only a window of context is considered</a:t>
             </a:r>
           </a:p>
           <a:p>
@@ -5958,6 +5795,26 @@
             <a:r>
               <a:rPr lang="en-US" dirty="0"/>
               <a:t>More efficient when alignment is monotonic or dependencies are local</a:t>
+            </a:r>
+          </a:p>
+          <a:p>
+            <a:pPr marL="285750" indent="-285750">
+              <a:buFont typeface="Arial" panose="020B0604020202020204" pitchFamily="34" charset="0"/>
+              <a:buChar char="•"/>
+            </a:pPr>
+            <a:r>
+              <a:rPr lang="en-US" dirty="0"/>
+              <a:t>See Bahdanau et al 2014 and Luong et al 2015</a:t>
+            </a:r>
+          </a:p>
+          <a:p>
+            <a:pPr marL="285750" indent="-285750">
+              <a:buFont typeface="Arial" panose="020B0604020202020204" pitchFamily="34" charset="0"/>
+              <a:buChar char="•"/>
+            </a:pPr>
+            <a:r>
+              <a:rPr lang="en-US" dirty="0"/>
+              <a:t>Images from Luong et al 2015</a:t>
             </a:r>
           </a:p>
           <a:p>
@@ -6113,7 +5970,7 @@
             </a:pPr>
             <a:r>
               <a:rPr lang="en-US" dirty="0"/>
-              <a:t>Similar to sequence to sequence but generalized to image like objects on the input.</a:t>
+              <a:t>Similar to sequence to sequence but generalized to image like objects for context.</a:t>
             </a:r>
           </a:p>
           <a:p>
@@ -6123,7 +5980,7 @@
             </a:pPr>
             <a:r>
               <a:rPr lang="en-US" dirty="0"/>
-              <a:t>Useful for generation of sequences describing images with multiple objects</a:t>
+              <a:t>Useful for generation of sequences describing images with multiple objects.</a:t>
             </a:r>
           </a:p>
           <a:p>
@@ -6290,7 +6147,7 @@
             </a:pPr>
             <a:r>
               <a:rPr lang="en-US" dirty="0"/>
-              <a:t>Encoding is done with a vanilla GRU RNN</a:t>
+              <a:t>Encoding is done with a vanilla GRU RNN.</a:t>
             </a:r>
           </a:p>
           <a:p>
@@ -6300,7 +6157,7 @@
             </a:pPr>
             <a:r>
               <a:rPr lang="en-US" dirty="0"/>
-              <a:t>The final hidden layer will be used to initialize the decoder hidden layer</a:t>
+              <a:t>The final hidden layer will be used to initialize the decoder hidden layer.</a:t>
             </a:r>
           </a:p>
           <a:p>
@@ -6310,7 +6167,7 @@
             </a:pPr>
             <a:r>
               <a:rPr lang="en-US" dirty="0"/>
-              <a:t>The hidden layers for all time steps are used as the context</a:t>
+              <a:t>The hidden layers for all time steps are used as the context.</a:t>
             </a:r>
           </a:p>
         </p:txBody>
